--- a/en/ProgrammingLessons/intermediate/Calibrate.pptx
+++ b/en/ProgrammingLessons/intermediate/Calibrate.pptx
@@ -218,7 +218,7 @@
           <a:p>
             <a:fld id="{E354B44E-40A3-0E46-B16A-9BF1250A248B}" type="datetimeFigureOut">
               <a:rPr lang="en-US" smtClean="0"/>
-              <a:t>7/19/16</a:t>
+              <a:t>12/25/19</a:t>
             </a:fld>
             <a:endParaRPr lang="en-US"/>
           </a:p>
@@ -384,7 +384,7 @@
           <a:p>
             <a:fld id="{C86AD16C-2DB4-6642-BAD4-9ED973A087A0}" type="datetimeFigureOut">
               <a:rPr lang="en-US" smtClean="0"/>
-              <a:t>7/19/16</a:t>
+              <a:t>12/25/19</a:t>
             </a:fld>
             <a:endParaRPr lang="en-US"/>
           </a:p>
@@ -839,9 +839,9 @@
           <a:bodyPr/>
           <a:lstStyle/>
           <a:p>
-            <a:fld id="{25B11890-25CA-46F5-9F8C-9E79EBF4CE1C}" type="datetime1">
+            <a:fld id="{7A24D760-B741-6D41-AD9A-2835C01EA6A4}" type="datetime1">
               <a:rPr lang="en-US" smtClean="0"/>
-              <a:t>7/19/16</a:t>
+              <a:t>12/25/19</a:t>
             </a:fld>
             <a:endParaRPr lang="en-US"/>
           </a:p>
@@ -864,7 +864,7 @@
           <a:p>
             <a:r>
               <a:rPr lang="en-US"/>
-              <a:t>© 2015 EV3Lessons.com, Last edit 7/06/2016</a:t>
+              <a:t>© 2015 EV3Lessons.com, Last edit 12/25/2019</a:t>
             </a:r>
           </a:p>
         </p:txBody>
@@ -1101,7 +1101,7 @@
           <a:noFill/>
           <a:extLst>
             <a:ext uri="{909E8E84-426E-40dd-AFC4-6F175D3DCCD1}">
-              <a14:hiddenFill xmlns:a14="http://schemas.microsoft.com/office/drawing/2010/main" xmlns="">
+              <a14:hiddenFill xmlns="" xmlns:a14="http://schemas.microsoft.com/office/drawing/2010/main">
                 <a:solidFill>
                   <a:srgbClr val="FFFFFF"/>
                 </a:solidFill>
@@ -1230,9 +1230,9 @@
           <a:bodyPr/>
           <a:lstStyle/>
           <a:p>
-            <a:fld id="{BC0A2806-5D5F-4AFE-8E3A-30EC8BB4272B}" type="datetime1">
+            <a:fld id="{B5463C49-42D0-7946-B72B-F1BFFCCC83C2}" type="datetime1">
               <a:rPr lang="en-US" smtClean="0"/>
-              <a:t>7/19/16</a:t>
+              <a:t>12/25/19</a:t>
             </a:fld>
             <a:endParaRPr lang="en-US"/>
           </a:p>
@@ -1255,7 +1255,7 @@
           <a:p>
             <a:r>
               <a:rPr lang="en-US"/>
-              <a:t>© 2015 EV3Lessons.com, Last edit 7/06/2016</a:t>
+              <a:t>© 2015 EV3Lessons.com, Last edit 12/25/2019</a:t>
             </a:r>
           </a:p>
         </p:txBody>
@@ -1489,9 +1489,9 @@
           <a:bodyPr/>
           <a:lstStyle/>
           <a:p>
-            <a:fld id="{BD9A8E37-E2BD-4CAE-B237-1EEED0ABFF10}" type="datetime1">
+            <a:fld id="{7FF0C765-CC46-AC43-9FEA-4BDAE325E327}" type="datetime1">
               <a:rPr lang="en-US" smtClean="0"/>
-              <a:t>7/19/16</a:t>
+              <a:t>12/25/19</a:t>
             </a:fld>
             <a:endParaRPr lang="en-US"/>
           </a:p>
@@ -1514,7 +1514,7 @@
           <a:p>
             <a:r>
               <a:rPr lang="en-US"/>
-              <a:t>© 2015 EV3Lessons.com, Last edit 7/06/2016</a:t>
+              <a:t>© 2015 EV3Lessons.com, Last edit 12/25/2019</a:t>
             </a:r>
           </a:p>
         </p:txBody>
@@ -1743,9 +1743,9 @@
           <a:bodyPr/>
           <a:lstStyle/>
           <a:p>
-            <a:fld id="{4D933E21-E101-4D73-B43E-E88E406318A3}" type="datetime1">
+            <a:fld id="{3168EF13-C535-C54A-9CF1-22E42C85B7A2}" type="datetime1">
               <a:rPr lang="en-US" smtClean="0"/>
-              <a:t>7/19/16</a:t>
+              <a:t>12/25/19</a:t>
             </a:fld>
             <a:endParaRPr lang="en-US"/>
           </a:p>
@@ -1768,7 +1768,7 @@
           <a:p>
             <a:r>
               <a:rPr lang="en-US"/>
-              <a:t>© 2015 EV3Lessons.com, Last edit 7/06/2016</a:t>
+              <a:t>© 2015 EV3Lessons.com, Last edit 12/25/2019</a:t>
             </a:r>
           </a:p>
         </p:txBody>
@@ -2188,9 +2188,9 @@
           <a:bodyPr/>
           <a:lstStyle/>
           <a:p>
-            <a:fld id="{C9F1B8B2-FE24-4934-A1D5-B0D2E5301B1C}" type="datetime1">
+            <a:fld id="{3FE4A8E7-C08D-6146-A706-2C93785F3F7D}" type="datetime1">
               <a:rPr lang="en-US" smtClean="0"/>
-              <a:t>7/19/16</a:t>
+              <a:t>12/25/19</a:t>
             </a:fld>
             <a:endParaRPr lang="en-US"/>
           </a:p>
@@ -2213,7 +2213,7 @@
           <a:p>
             <a:r>
               <a:rPr lang="en-US"/>
-              <a:t>© 2015 EV3Lessons.com, Last edit 7/06/2016</a:t>
+              <a:t>© 2015 EV3Lessons.com, Last edit 12/25/2019</a:t>
             </a:r>
           </a:p>
         </p:txBody>
@@ -2534,9 +2534,9 @@
           <a:bodyPr/>
           <a:lstStyle/>
           <a:p>
-            <a:fld id="{BA3B3C2F-EC1C-46CA-BECB-CFF1C49CD76C}" type="datetime1">
+            <a:fld id="{EFF98190-98B8-A44C-B94A-CCD3B6318C00}" type="datetime1">
               <a:rPr lang="en-US" smtClean="0"/>
-              <a:t>7/19/16</a:t>
+              <a:t>12/25/19</a:t>
             </a:fld>
             <a:endParaRPr lang="en-US"/>
           </a:p>
@@ -2559,7 +2559,7 @@
           <a:p>
             <a:r>
               <a:rPr lang="en-US"/>
-              <a:t>© 2015 EV3Lessons.com, Last edit 7/06/2016</a:t>
+              <a:t>© 2015 EV3Lessons.com, Last edit 12/25/2019</a:t>
             </a:r>
           </a:p>
         </p:txBody>
@@ -2812,9 +2812,9 @@
           <a:bodyPr/>
           <a:lstStyle/>
           <a:p>
-            <a:fld id="{00827A6B-EFF2-41DA-9389-1DD4326B2EE4}" type="datetime1">
+            <a:fld id="{A69CB8A6-9213-3B47-86A6-62A3FEF0CBBD}" type="datetime1">
               <a:rPr lang="en-US" smtClean="0"/>
-              <a:t>7/19/16</a:t>
+              <a:t>12/25/19</a:t>
             </a:fld>
             <a:endParaRPr lang="en-US"/>
           </a:p>
@@ -2837,7 +2837,7 @@
           <a:p>
             <a:r>
               <a:rPr lang="en-US"/>
-              <a:t>© 2015 EV3Lessons.com, Last edit 7/06/2016</a:t>
+              <a:t>© 2015 EV3Lessons.com, Last edit 12/25/2019</a:t>
             </a:r>
             <a:endParaRPr lang="en-US" dirty="0"/>
           </a:p>
@@ -3195,9 +3195,9 @@
           <a:bodyPr/>
           <a:lstStyle/>
           <a:p>
-            <a:fld id="{A2B67B4E-6008-4AC3-AE01-C0CC6493FE44}" type="datetime1">
+            <a:fld id="{19991ADD-5099-0740-996E-1AF6A722258D}" type="datetime1">
               <a:rPr lang="en-US" smtClean="0"/>
-              <a:t>7/19/16</a:t>
+              <a:t>12/25/19</a:t>
             </a:fld>
             <a:endParaRPr lang="en-US"/>
           </a:p>
@@ -3220,7 +3220,7 @@
           <a:p>
             <a:r>
               <a:rPr lang="en-US"/>
-              <a:t>© 2015 EV3Lessons.com, Last edit 7/06/2016</a:t>
+              <a:t>© 2015 EV3Lessons.com, Last edit 12/25/2019</a:t>
             </a:r>
           </a:p>
         </p:txBody>
@@ -3316,9 +3316,9 @@
           <a:bodyPr/>
           <a:lstStyle/>
           <a:p>
-            <a:fld id="{8FC4C136-C7FF-499B-A164-2D4C94D5780B}" type="datetime1">
+            <a:fld id="{8F73838F-C7CC-8845-822E-F8DB55683720}" type="datetime1">
               <a:rPr lang="en-US" smtClean="0"/>
-              <a:t>7/19/16</a:t>
+              <a:t>12/25/19</a:t>
             </a:fld>
             <a:endParaRPr lang="en-US"/>
           </a:p>
@@ -3341,7 +3341,7 @@
           <a:p>
             <a:r>
               <a:rPr lang="en-US"/>
-              <a:t>© 2015 EV3Lessons.com, Last edit 7/06/2016</a:t>
+              <a:t>© 2015 EV3Lessons.com, Last edit 12/25/2019</a:t>
             </a:r>
           </a:p>
         </p:txBody>
@@ -3490,9 +3490,9 @@
           <a:bodyPr/>
           <a:lstStyle/>
           <a:p>
-            <a:fld id="{D9F8EE4C-AF6A-44DC-9C1E-0CB7A12851C7}" type="datetime1">
+            <a:fld id="{97918086-4D46-5049-B853-041F2F343199}" type="datetime1">
               <a:rPr lang="en-US" smtClean="0"/>
-              <a:t>7/19/16</a:t>
+              <a:t>12/25/19</a:t>
             </a:fld>
             <a:endParaRPr lang="en-US"/>
           </a:p>
@@ -3523,7 +3523,7 @@
           <a:p>
             <a:r>
               <a:rPr lang="en-US"/>
-              <a:t>© 2015 EV3Lessons.com, Last edit 7/06/2016</a:t>
+              <a:t>© 2015 EV3Lessons.com, Last edit 12/25/2019</a:t>
             </a:r>
           </a:p>
         </p:txBody>
@@ -3847,9 +3847,9 @@
             </a:lvl1pPr>
           </a:lstStyle>
           <a:p>
-            <a:fld id="{D5922F30-34E0-4C39-BC01-021BBB3779F5}" type="datetime1">
+            <a:fld id="{50C0BD3B-262C-A74A-A9CD-818E14325903}" type="datetime1">
               <a:rPr lang="en-US" smtClean="0"/>
-              <a:t>7/19/16</a:t>
+              <a:t>12/25/19</a:t>
             </a:fld>
             <a:endParaRPr lang="en-US"/>
           </a:p>
@@ -3885,7 +3885,7 @@
           <a:p>
             <a:r>
               <a:rPr lang="en-US"/>
-              <a:t>© 2015 EV3Lessons.com, Last edit 7/06/2016</a:t>
+              <a:t>© 2015 EV3Lessons.com, Last edit 12/25/2019</a:t>
             </a:r>
           </a:p>
         </p:txBody>
@@ -4041,9 +4041,9 @@
           <a:bodyPr/>
           <a:lstStyle/>
           <a:p>
-            <a:fld id="{44DD82AE-8167-4DFE-A047-E1FF61796F26}" type="datetime1">
+            <a:fld id="{37AB8216-C482-7149-A677-ABA7BBAA7A9A}" type="datetime1">
               <a:rPr lang="en-US" smtClean="0"/>
-              <a:t>7/19/16</a:t>
+              <a:t>12/25/19</a:t>
             </a:fld>
             <a:endParaRPr lang="en-US"/>
           </a:p>
@@ -4066,7 +4066,7 @@
           <a:p>
             <a:r>
               <a:rPr lang="en-US"/>
-              <a:t>© 2015 EV3Lessons.com, Last edit 7/06/2016</a:t>
+              <a:t>© 2015 EV3Lessons.com, Last edit 12/25/2019</a:t>
             </a:r>
           </a:p>
         </p:txBody>
@@ -4405,9 +4405,9 @@
           <a:bodyPr/>
           <a:lstStyle/>
           <a:p>
-            <a:fld id="{613845A1-9DE0-45DA-AF74-AA448812466E}" type="datetime1">
+            <a:fld id="{35024333-2FC3-9D46-ACA3-B0E88D726F2B}" type="datetime1">
               <a:rPr lang="en-US" smtClean="0"/>
-              <a:t>7/19/16</a:t>
+              <a:t>12/25/19</a:t>
             </a:fld>
             <a:endParaRPr lang="en-US"/>
           </a:p>
@@ -4430,7 +4430,7 @@
           <a:p>
             <a:r>
               <a:rPr lang="en-US"/>
-              <a:t>© 2015 EV3Lessons.com, Last edit 7/06/2016</a:t>
+              <a:t>© 2015 EV3Lessons.com, Last edit 12/25/2019</a:t>
             </a:r>
           </a:p>
         </p:txBody>
@@ -4578,9 +4578,9 @@
           <a:bodyPr/>
           <a:lstStyle/>
           <a:p>
-            <a:fld id="{69B38FE3-4A62-49E7-8F43-F6D0D08BEE13}" type="datetime1">
+            <a:fld id="{4DA177BE-AF9A-AE47-96AB-5939CD3DDC36}" type="datetime1">
               <a:rPr lang="en-US" smtClean="0"/>
-              <a:t>7/19/16</a:t>
+              <a:t>12/25/19</a:t>
             </a:fld>
             <a:endParaRPr lang="en-US"/>
           </a:p>
@@ -4603,7 +4603,7 @@
           <a:p>
             <a:r>
               <a:rPr lang="en-US"/>
-              <a:t>© 2015 EV3Lessons.com, Last edit 7/06/2016</a:t>
+              <a:t>© 2015 EV3Lessons.com, Last edit 12/25/2019</a:t>
             </a:r>
           </a:p>
         </p:txBody>
@@ -4837,9 +4837,9 @@
           <a:bodyPr/>
           <a:lstStyle/>
           <a:p>
-            <a:fld id="{E7C0D17F-FAD0-4E89-B98C-767A4628FD6E}" type="datetime1">
+            <a:fld id="{2719D971-0AC9-F449-BE92-41E1831B289F}" type="datetime1">
               <a:rPr lang="en-US" smtClean="0"/>
-              <a:t>7/19/16</a:t>
+              <a:t>12/25/19</a:t>
             </a:fld>
             <a:endParaRPr lang="en-US"/>
           </a:p>
@@ -4862,7 +4862,7 @@
           <a:p>
             <a:r>
               <a:rPr lang="en-US"/>
-              <a:t>© 2015 EV3Lessons.com, Last edit 7/06/2016</a:t>
+              <a:t>© 2015 EV3Lessons.com, Last edit 12/25/2019</a:t>
             </a:r>
           </a:p>
         </p:txBody>
@@ -5183,9 +5183,9 @@
           <a:bodyPr/>
           <a:lstStyle/>
           <a:p>
-            <a:fld id="{6498C3B8-CCBA-411E-9DB3-AACF68D92F7D}" type="datetime1">
+            <a:fld id="{3ACD1902-8533-9748-B7B7-34FA390236C0}" type="datetime1">
               <a:rPr lang="en-US" smtClean="0"/>
-              <a:t>7/19/16</a:t>
+              <a:t>12/25/19</a:t>
             </a:fld>
             <a:endParaRPr lang="en-US"/>
           </a:p>
@@ -5208,7 +5208,7 @@
           <a:p>
             <a:r>
               <a:rPr lang="en-US"/>
-              <a:t>© 2015 EV3Lessons.com, Last edit 7/06/2016</a:t>
+              <a:t>© 2015 EV3Lessons.com, Last edit 12/25/2019</a:t>
             </a:r>
           </a:p>
         </p:txBody>
@@ -5461,9 +5461,9 @@
           <a:bodyPr/>
           <a:lstStyle/>
           <a:p>
-            <a:fld id="{0EC090BA-9AAD-4420-BFD9-12D0784F3BD8}" type="datetime1">
+            <a:fld id="{67EB7F98-E4D3-F84C-A495-392295FFD9AA}" type="datetime1">
               <a:rPr lang="en-US" smtClean="0"/>
-              <a:t>7/19/16</a:t>
+              <a:t>12/25/19</a:t>
             </a:fld>
             <a:endParaRPr lang="en-US"/>
           </a:p>
@@ -5486,7 +5486,7 @@
           <a:p>
             <a:r>
               <a:rPr lang="en-US"/>
-              <a:t>© 2015 EV3Lessons.com, Last edit 7/06/2016</a:t>
+              <a:t>© 2015 EV3Lessons.com, Last edit 12/25/2019</a:t>
             </a:r>
             <a:endParaRPr lang="en-US" dirty="0"/>
           </a:p>
@@ -5844,9 +5844,9 @@
           <a:bodyPr/>
           <a:lstStyle/>
           <a:p>
-            <a:fld id="{606ABF42-B0A3-48A3-84D3-002A163D0068}" type="datetime1">
+            <a:fld id="{BE6EC2AF-E76B-A24C-A11A-2868C188E5BA}" type="datetime1">
               <a:rPr lang="en-US" smtClean="0"/>
-              <a:t>7/19/16</a:t>
+              <a:t>12/25/19</a:t>
             </a:fld>
             <a:endParaRPr lang="en-US"/>
           </a:p>
@@ -5869,7 +5869,7 @@
           <a:p>
             <a:r>
               <a:rPr lang="en-US"/>
-              <a:t>© 2015 EV3Lessons.com, Last edit 7/06/2016</a:t>
+              <a:t>© 2015 EV3Lessons.com, Last edit 12/25/2019</a:t>
             </a:r>
           </a:p>
         </p:txBody>
@@ -5965,9 +5965,9 @@
           <a:bodyPr/>
           <a:lstStyle/>
           <a:p>
-            <a:fld id="{9179C439-D066-4536-BF0E-4339595C20C0}" type="datetime1">
+            <a:fld id="{18FF48A0-3066-5C4C-A533-55367682B152}" type="datetime1">
               <a:rPr lang="en-US" smtClean="0"/>
-              <a:t>7/19/16</a:t>
+              <a:t>12/25/19</a:t>
             </a:fld>
             <a:endParaRPr lang="en-US"/>
           </a:p>
@@ -5990,7 +5990,7 @@
           <a:p>
             <a:r>
               <a:rPr lang="en-US"/>
-              <a:t>© 2015 EV3Lessons.com, Last edit 7/06/2016</a:t>
+              <a:t>© 2015 EV3Lessons.com, Last edit 12/25/2019</a:t>
             </a:r>
           </a:p>
         </p:txBody>
@@ -6139,9 +6139,9 @@
           <a:bodyPr/>
           <a:lstStyle/>
           <a:p>
-            <a:fld id="{A3887BDB-31CB-4154-A354-1D8431D151E9}" type="datetime1">
+            <a:fld id="{42882B6D-3B82-A046-B925-D84024900CF6}" type="datetime1">
               <a:rPr lang="en-US" smtClean="0"/>
-              <a:t>7/19/16</a:t>
+              <a:t>12/25/19</a:t>
             </a:fld>
             <a:endParaRPr lang="en-US"/>
           </a:p>
@@ -6172,7 +6172,7 @@
           <a:p>
             <a:r>
               <a:rPr lang="en-US"/>
-              <a:t>© 2015 EV3Lessons.com, Last edit 7/06/2016</a:t>
+              <a:t>© 2015 EV3Lessons.com, Last edit 12/25/2019</a:t>
             </a:r>
           </a:p>
         </p:txBody>
@@ -6496,9 +6496,9 @@
             </a:lvl1pPr>
           </a:lstStyle>
           <a:p>
-            <a:fld id="{CA72863B-BF54-4663-891A-0C7919FC7BCF}" type="datetime1">
+            <a:fld id="{9178BAB2-C905-FC4E-A969-4D3F4FA684FC}" type="datetime1">
               <a:rPr lang="en-US" smtClean="0"/>
-              <a:t>7/19/16</a:t>
+              <a:t>12/25/19</a:t>
             </a:fld>
             <a:endParaRPr lang="en-US"/>
           </a:p>
@@ -6534,7 +6534,7 @@
           <a:p>
             <a:r>
               <a:rPr lang="en-US"/>
-              <a:t>© 2015 EV3Lessons.com, Last edit 7/06/2016</a:t>
+              <a:t>© 2015 EV3Lessons.com, Last edit 12/25/2019</a:t>
             </a:r>
           </a:p>
         </p:txBody>
@@ -6881,9 +6881,9 @@
           <a:bodyPr/>
           <a:lstStyle/>
           <a:p>
-            <a:fld id="{C54738FF-D9A2-48EA-A9B8-AB69C391D273}" type="datetime1">
+            <a:fld id="{8DF727C1-4ADC-474E-8D51-6EDD45EFC36B}" type="datetime1">
               <a:rPr lang="en-US" smtClean="0"/>
-              <a:t>7/19/16</a:t>
+              <a:t>12/25/19</a:t>
             </a:fld>
             <a:endParaRPr lang="en-US"/>
           </a:p>
@@ -6906,7 +6906,7 @@
           <a:p>
             <a:r>
               <a:rPr lang="en-US"/>
-              <a:t>© 2015 EV3Lessons.com, Last edit 7/06/2016</a:t>
+              <a:t>© 2015 EV3Lessons.com, Last edit 12/25/2019</a:t>
             </a:r>
           </a:p>
         </p:txBody>
@@ -7173,9 +7173,9 @@
             </a:lvl1pPr>
           </a:lstStyle>
           <a:p>
-            <a:fld id="{CB2A80F6-584C-43EF-BD30-4D3CC47ECCD6}" type="datetime1">
+            <a:fld id="{434AC833-2E49-5F43-8BA7-46A7155BE11C}" type="datetime1">
               <a:rPr lang="en-US" smtClean="0"/>
-              <a:t>7/19/16</a:t>
+              <a:t>12/25/19</a:t>
             </a:fld>
             <a:endParaRPr lang="en-US" dirty="0"/>
           </a:p>
@@ -7214,7 +7214,7 @@
           <a:p>
             <a:r>
               <a:rPr lang="en-US"/>
-              <a:t>© 2015 EV3Lessons.com, Last edit 7/06/2016</a:t>
+              <a:t>© 2015 EV3Lessons.com, Last edit 12/25/2019</a:t>
             </a:r>
             <a:endParaRPr lang="en-US" dirty="0"/>
           </a:p>
@@ -7951,9 +7951,9 @@
             </a:lvl1pPr>
           </a:lstStyle>
           <a:p>
-            <a:fld id="{4C00F0B2-6DC6-40C8-A51B-F3D7D06C3737}" type="datetime1">
+            <a:fld id="{A277F148-6D9E-FB4F-952F-4808486579B6}" type="datetime1">
               <a:rPr lang="en-US" smtClean="0"/>
-              <a:t>7/19/16</a:t>
+              <a:t>12/25/19</a:t>
             </a:fld>
             <a:endParaRPr lang="en-US" dirty="0"/>
           </a:p>
@@ -7992,7 +7992,7 @@
           <a:p>
             <a:r>
               <a:rPr lang="en-US"/>
-              <a:t>© 2015 EV3Lessons.com, Last edit 7/06/2016</a:t>
+              <a:t>© 2015 EV3Lessons.com, Last edit 12/25/2019</a:t>
             </a:r>
             <a:endParaRPr lang="en-US" dirty="0"/>
           </a:p>
@@ -8739,7 +8739,7 @@
           <a:p>
             <a:r>
               <a:rPr lang="en-US"/>
-              <a:t>© 2015 EV3Lessons.com, Last edit 7/06/2016</a:t>
+              <a:t>© 2015 EV3Lessons.com, Last edit 12/25/2019</a:t>
             </a:r>
           </a:p>
         </p:txBody>
@@ -8827,13 +8827,20 @@
             <a:pPr lvl="1"/>
             <a:r>
               <a:rPr lang="en-US" dirty="0"/>
-              <a:t>This makes White read as 100 and Black read as 0</a:t>
-            </a:r>
-          </a:p>
-          <a:p>
+              <a:t>This makes White read as approximately 100 and Black read as approximately 0</a:t>
+            </a:r>
+          </a:p>
+          <a:p>
+            <a:pPr lvl="1"/>
             <a:r>
               <a:rPr lang="en-US" dirty="0"/>
-              <a:t>Run your Calibrate Program whenever light conditions change </a:t>
+              <a:t>It may still read over 100 or below 0. This is not an error.</a:t>
+            </a:r>
+          </a:p>
+          <a:p>
+            <a:r>
+              <a:rPr lang="en-US" dirty="0"/>
+              <a:t>Run your Calibrate Program whenever light conditions change once before you run your other programs.</a:t>
             </a:r>
           </a:p>
           <a:p>
@@ -8846,7 +8853,7 @@
             <a:pPr lvl="1"/>
             <a:r>
               <a:rPr lang="en-US" dirty="0"/>
-              <a:t>If you have sensors that are very different from each other, you will need to write your own custom calibration.</a:t>
+              <a:t>If you have sensors that are very different from each other, you will need to write your own custom calibration that stores separate calibration for each sensor (this is not covered in this lesson).</a:t>
             </a:r>
           </a:p>
         </p:txBody>
@@ -8868,7 +8875,7 @@
           <a:p>
             <a:r>
               <a:rPr lang="en-US"/>
-              <a:t>© 2015 EV3Lessons.com, Last edit 7/06/2016</a:t>
+              <a:t>© 2015 EV3Lessons.com, Last edit 12/25/2019</a:t>
             </a:r>
           </a:p>
         </p:txBody>
@@ -9004,7 +9011,7 @@
           <a:p>
             <a:r>
               <a:rPr lang="en-US"/>
-              <a:t>© 2015 EV3Lessons.com, Last edit 7/06/2016</a:t>
+              <a:t>© 2015 EV3Lessons.com, Last edit 12/25/2019</a:t>
             </a:r>
           </a:p>
         </p:txBody>
@@ -9126,7 +9133,7 @@
           <a:p>
             <a:r>
               <a:rPr lang="en-US"/>
-              <a:t>© 2015 EV3Lessons.com, Last edit 7/06/2016</a:t>
+              <a:t>© 2015 EV3Lessons.com, Last edit 12/25/2019</a:t>
             </a:r>
           </a:p>
         </p:txBody>
@@ -9251,7 +9258,7 @@
             <a:pPr lvl="1"/>
             <a:r>
               <a:rPr lang="en-US" dirty="0"/>
-              <a:t>The calibration applies to both (or all) the color sensors you have connected to your brick</a:t>
+              <a:t>Only one calibration value is stored on the brick and applies to all sensors. If you calibrate a second sensor, it will overwrite the first calibration.</a:t>
             </a:r>
           </a:p>
           <a:p>
@@ -9280,6 +9287,19 @@
               <a:t>No, you always calibrate for black and white.</a:t>
             </a:r>
           </a:p>
+          <a:p>
+            <a:r>
+              <a:rPr lang="en-US" dirty="0"/>
+              <a:t>5. How often do I need to calibrate?</a:t>
+            </a:r>
+          </a:p>
+          <a:p>
+            <a:pPr lvl="1"/>
+            <a:r>
+              <a:rPr lang="en-US" dirty="0"/>
+              <a:t>Just once before you run all your other code. The values are saved to the brick.</a:t>
+            </a:r>
+          </a:p>
         </p:txBody>
       </p:sp>
       <p:sp>
@@ -9299,7 +9319,7 @@
           <a:p>
             <a:r>
               <a:rPr lang="en-US"/>
-              <a:t>© 2015 EV3Lessons.com, Last edit 7/06/2016</a:t>
+              <a:t>© 2015 EV3Lessons.com, Last edit 12/25/2019</a:t>
             </a:r>
           </a:p>
         </p:txBody>
@@ -9402,7 +9422,7 @@
           <a:p>
             <a:r>
               <a:rPr lang="en-US"/>
-              <a:t>© 2015 EV3Lessons.com, Last edit 7/06/2016</a:t>
+              <a:t>© 2015 EV3Lessons.com, Last edit 12/25/2019</a:t>
             </a:r>
           </a:p>
         </p:txBody>
@@ -9432,7 +9452,7 @@
           <a:effectLst/>
           <a:extLst>
             <a:ext uri="{91240B29-F687-4f45-9708-019B960494DF}">
-              <a14:hiddenLine xmlns:a14="http://schemas.microsoft.com/office/drawing/2010/main" xmlns="" w="9525">
+              <a14:hiddenLine xmlns="" xmlns:a14="http://schemas.microsoft.com/office/drawing/2010/main" w="9525">
                 <a:solidFill>
                   <a:schemeClr val="tx1"/>
                 </a:solidFill>
@@ -9442,7 +9462,7 @@
               </a14:hiddenLine>
             </a:ext>
             <a:ext uri="{AF507438-7753-43e0-B8FC-AC1667EBCBE1}">
-              <a14:hiddenEffects xmlns:a14="http://schemas.microsoft.com/office/drawing/2010/main" xmlns="">
+              <a14:hiddenEffects xmlns="" xmlns:a14="http://schemas.microsoft.com/office/drawing/2010/main">
                 <a:effectLst>
                   <a:outerShdw dist="35921" dir="2700000" algn="ctr" rotWithShape="0">
                     <a:schemeClr val="bg2"/>
@@ -9617,18 +9637,6 @@
               </a:rPr>
               <a:t>                         </a:t>
             </a:r>
-            <a:r>
-              <a:rPr kumimoji="0" lang="en-US" altLang="en-US" sz="1600" b="0" i="0" u="none" strike="noStrike" cap="none" normalizeH="0" baseline="0" dirty="0">
-                <a:ln>
-                  <a:noFill/>
-                </a:ln>
-                <a:solidFill>
-                  <a:schemeClr val="tx1"/>
-                </a:solidFill>
-                <a:effectLst/>
-              </a:rPr>
-              <a:t/>
-            </a:r>
             <a:br>
               <a:rPr kumimoji="0" lang="en-US" altLang="en-US" sz="1600" b="0" i="0" u="none" strike="noStrike" cap="none" normalizeH="0" baseline="0" dirty="0">
                 <a:ln>
@@ -9795,7 +9803,7 @@
           <a:noFill/>
           <a:extLst>
             <a:ext uri="{909E8E84-426E-40dd-AFC4-6F175D3DCCD1}">
-              <a14:hiddenFill xmlns:a14="http://schemas.microsoft.com/office/drawing/2010/main" xmlns="">
+              <a14:hiddenFill xmlns="" xmlns:a14="http://schemas.microsoft.com/office/drawing/2010/main">
                 <a:solidFill>
                   <a:srgbClr val="FFFFFF"/>
                 </a:solidFill>
